--- a/Songs/O Praise The Name/O Praise The Name.pptx
+++ b/Songs/O Praise The Name/O Praise The Name.pptx
@@ -5,19 +5,18 @@
     <p:sldMasterId id="2147483681" r:id="rId1"/>
   </p:sldMasterIdLst>
   <p:notesMasterIdLst>
-    <p:notesMasterId r:id="rId12"/>
+    <p:notesMasterId r:id="rId11"/>
   </p:notesMasterIdLst>
   <p:sldIdLst>
     <p:sldId id="261" r:id="rId2"/>
     <p:sldId id="259" r:id="rId3"/>
-    <p:sldId id="468" r:id="rId4"/>
-    <p:sldId id="470" r:id="rId5"/>
-    <p:sldId id="356" r:id="rId6"/>
-    <p:sldId id="357" r:id="rId7"/>
-    <p:sldId id="478" r:id="rId8"/>
-    <p:sldId id="359" r:id="rId9"/>
-    <p:sldId id="476" r:id="rId10"/>
-    <p:sldId id="477" r:id="rId11"/>
+    <p:sldId id="357" r:id="rId4"/>
+    <p:sldId id="356" r:id="rId5"/>
+    <p:sldId id="478" r:id="rId6"/>
+    <p:sldId id="479" r:id="rId7"/>
+    <p:sldId id="476" r:id="rId8"/>
+    <p:sldId id="480" r:id="rId9"/>
+    <p:sldId id="477" r:id="rId10"/>
   </p:sldIdLst>
   <p:sldSz cx="12192000" cy="6858000"/>
   <p:notesSz cx="6858000" cy="9144000"/>
@@ -578,7 +577,7 @@
 </p:notes>
 </file>
 
-<file path=ppt/notesSlides/notesSlide10.xml><?xml version="1.0" encoding="utf-8"?>
+<file path=ppt/notesSlides/notesSlide2.xml><?xml version="1.0" encoding="utf-8"?>
 <p:notes xmlns:a="http://schemas.openxmlformats.org/drawingml/2006/main" xmlns:r="http://schemas.openxmlformats.org/officeDocument/2006/relationships" xmlns:p="http://schemas.openxmlformats.org/presentationml/2006/main" showMasterSp="0" showMasterPhAnim="0">
   <p:cSld>
     <p:spTree>
@@ -675,11 +674,6 @@
         </p:txBody>
       </p:sp>
     </p:spTree>
-    <p:extLst>
-      <p:ext uri="{BB962C8B-B14F-4D97-AF65-F5344CB8AC3E}">
-        <p14:creationId xmlns:p14="http://schemas.microsoft.com/office/powerpoint/2010/main" val="2231203908"/>
-      </p:ext>
-    </p:extLst>
   </p:cSld>
   <p:clrMapOvr>
     <a:masterClrMapping/>
@@ -687,7 +681,7 @@
 </p:notes>
 </file>
 
-<file path=ppt/notesSlides/notesSlide2.xml><?xml version="1.0" encoding="utf-8"?>
+<file path=ppt/notesSlides/notesSlide3.xml><?xml version="1.0" encoding="utf-8"?>
 <p:notes xmlns:a="http://schemas.openxmlformats.org/drawingml/2006/main" xmlns:r="http://schemas.openxmlformats.org/officeDocument/2006/relationships" xmlns:p="http://schemas.openxmlformats.org/presentationml/2006/main" showMasterSp="0" showMasterPhAnim="0">
   <p:cSld>
     <p:spTree>
@@ -784,6 +778,11 @@
         </p:txBody>
       </p:sp>
     </p:spTree>
+    <p:extLst>
+      <p:ext uri="{BB962C8B-B14F-4D97-AF65-F5344CB8AC3E}">
+        <p14:creationId xmlns:p14="http://schemas.microsoft.com/office/powerpoint/2010/main" val="2430232485"/>
+      </p:ext>
+    </p:extLst>
   </p:cSld>
   <p:clrMapOvr>
     <a:masterClrMapping/>
@@ -791,7 +790,7 @@
 </p:notes>
 </file>
 
-<file path=ppt/notesSlides/notesSlide3.xml><?xml version="1.0" encoding="utf-8"?>
+<file path=ppt/notesSlides/notesSlide4.xml><?xml version="1.0" encoding="utf-8"?>
 <p:notes xmlns:a="http://schemas.openxmlformats.org/drawingml/2006/main" xmlns:r="http://schemas.openxmlformats.org/officeDocument/2006/relationships" xmlns:p="http://schemas.openxmlformats.org/presentationml/2006/main" showMasterSp="0" showMasterPhAnim="0">
   <p:cSld>
     <p:spTree>
@@ -890,7 +889,7 @@
     </p:spTree>
     <p:extLst>
       <p:ext uri="{BB962C8B-B14F-4D97-AF65-F5344CB8AC3E}">
-        <p14:creationId xmlns:p14="http://schemas.microsoft.com/office/powerpoint/2010/main" val="3507737791"/>
+        <p14:creationId xmlns:p14="http://schemas.microsoft.com/office/powerpoint/2010/main" val="12261583"/>
       </p:ext>
     </p:extLst>
   </p:cSld>
@@ -900,7 +899,7 @@
 </p:notes>
 </file>
 
-<file path=ppt/notesSlides/notesSlide4.xml><?xml version="1.0" encoding="utf-8"?>
+<file path=ppt/notesSlides/notesSlide5.xml><?xml version="1.0" encoding="utf-8"?>
 <p:notes xmlns:a="http://schemas.openxmlformats.org/drawingml/2006/main" xmlns:r="http://schemas.openxmlformats.org/officeDocument/2006/relationships" xmlns:p="http://schemas.openxmlformats.org/presentationml/2006/main" showMasterSp="0" showMasterPhAnim="0">
   <p:cSld>
     <p:spTree>
@@ -999,7 +998,7 @@
     </p:spTree>
     <p:extLst>
       <p:ext uri="{BB962C8B-B14F-4D97-AF65-F5344CB8AC3E}">
-        <p14:creationId xmlns:p14="http://schemas.microsoft.com/office/powerpoint/2010/main" val="2608113703"/>
+        <p14:creationId xmlns:p14="http://schemas.microsoft.com/office/powerpoint/2010/main" val="4281315045"/>
       </p:ext>
     </p:extLst>
   </p:cSld>
@@ -1009,7 +1008,7 @@
 </p:notes>
 </file>
 
-<file path=ppt/notesSlides/notesSlide5.xml><?xml version="1.0" encoding="utf-8"?>
+<file path=ppt/notesSlides/notesSlide6.xml><?xml version="1.0" encoding="utf-8"?>
 <p:notes xmlns:a="http://schemas.openxmlformats.org/drawingml/2006/main" xmlns:r="http://schemas.openxmlformats.org/officeDocument/2006/relationships" xmlns:p="http://schemas.openxmlformats.org/presentationml/2006/main" showMasterSp="0" showMasterPhAnim="0">
   <p:cSld>
     <p:spTree>
@@ -1108,7 +1107,7 @@
     </p:spTree>
     <p:extLst>
       <p:ext uri="{BB962C8B-B14F-4D97-AF65-F5344CB8AC3E}">
-        <p14:creationId xmlns:p14="http://schemas.microsoft.com/office/powerpoint/2010/main" val="12261583"/>
+        <p14:creationId xmlns:p14="http://schemas.microsoft.com/office/powerpoint/2010/main" val="3645864267"/>
       </p:ext>
     </p:extLst>
   </p:cSld>
@@ -1118,7 +1117,7 @@
 </p:notes>
 </file>
 
-<file path=ppt/notesSlides/notesSlide6.xml><?xml version="1.0" encoding="utf-8"?>
+<file path=ppt/notesSlides/notesSlide7.xml><?xml version="1.0" encoding="utf-8"?>
 <p:notes xmlns:a="http://schemas.openxmlformats.org/drawingml/2006/main" xmlns:r="http://schemas.openxmlformats.org/officeDocument/2006/relationships" xmlns:p="http://schemas.openxmlformats.org/presentationml/2006/main" showMasterSp="0" showMasterPhAnim="0">
   <p:cSld>
     <p:spTree>
@@ -1217,7 +1216,7 @@
     </p:spTree>
     <p:extLst>
       <p:ext uri="{BB962C8B-B14F-4D97-AF65-F5344CB8AC3E}">
-        <p14:creationId xmlns:p14="http://schemas.microsoft.com/office/powerpoint/2010/main" val="2430232485"/>
+        <p14:creationId xmlns:p14="http://schemas.microsoft.com/office/powerpoint/2010/main" val="552657131"/>
       </p:ext>
     </p:extLst>
   </p:cSld>
@@ -1227,7 +1226,7 @@
 </p:notes>
 </file>
 
-<file path=ppt/notesSlides/notesSlide7.xml><?xml version="1.0" encoding="utf-8"?>
+<file path=ppt/notesSlides/notesSlide8.xml><?xml version="1.0" encoding="utf-8"?>
 <p:notes xmlns:a="http://schemas.openxmlformats.org/drawingml/2006/main" xmlns:r="http://schemas.openxmlformats.org/officeDocument/2006/relationships" xmlns:p="http://schemas.openxmlformats.org/presentationml/2006/main" showMasterSp="0" showMasterPhAnim="0">
   <p:cSld>
     <p:spTree>
@@ -1326,7 +1325,7 @@
     </p:spTree>
     <p:extLst>
       <p:ext uri="{BB962C8B-B14F-4D97-AF65-F5344CB8AC3E}">
-        <p14:creationId xmlns:p14="http://schemas.microsoft.com/office/powerpoint/2010/main" val="1702113226"/>
+        <p14:creationId xmlns:p14="http://schemas.microsoft.com/office/powerpoint/2010/main" val="3091999519"/>
       </p:ext>
     </p:extLst>
   </p:cSld>
@@ -1336,7 +1335,7 @@
 </p:notes>
 </file>
 
-<file path=ppt/notesSlides/notesSlide8.xml><?xml version="1.0" encoding="utf-8"?>
+<file path=ppt/notesSlides/notesSlide9.xml><?xml version="1.0" encoding="utf-8"?>
 <p:notes xmlns:a="http://schemas.openxmlformats.org/drawingml/2006/main" xmlns:r="http://schemas.openxmlformats.org/officeDocument/2006/relationships" xmlns:p="http://schemas.openxmlformats.org/presentationml/2006/main" showMasterSp="0" showMasterPhAnim="0">
   <p:cSld>
     <p:spTree>
@@ -1435,116 +1434,7 @@
     </p:spTree>
     <p:extLst>
       <p:ext uri="{BB962C8B-B14F-4D97-AF65-F5344CB8AC3E}">
-        <p14:creationId xmlns:p14="http://schemas.microsoft.com/office/powerpoint/2010/main" val="665822329"/>
-      </p:ext>
-    </p:extLst>
-  </p:cSld>
-  <p:clrMapOvr>
-    <a:masterClrMapping/>
-  </p:clrMapOvr>
-</p:notes>
-</file>
-
-<file path=ppt/notesSlides/notesSlide9.xml><?xml version="1.0" encoding="utf-8"?>
-<p:notes xmlns:a="http://schemas.openxmlformats.org/drawingml/2006/main" xmlns:r="http://schemas.openxmlformats.org/officeDocument/2006/relationships" xmlns:p="http://schemas.openxmlformats.org/presentationml/2006/main" showMasterSp="0" showMasterPhAnim="0">
-  <p:cSld>
-    <p:spTree>
-      <p:nvGrpSpPr>
-        <p:cNvPr id="1" name="Shape 1059"/>
-        <p:cNvGrpSpPr/>
-        <p:nvPr/>
-      </p:nvGrpSpPr>
-      <p:grpSpPr>
-        <a:xfrm>
-          <a:off x="0" y="0"/>
-          <a:ext cx="0" cy="0"/>
-          <a:chOff x="0" y="0"/>
-          <a:chExt cx="0" cy="0"/>
-        </a:xfrm>
-      </p:grpSpPr>
-      <p:sp>
-        <p:nvSpPr>
-          <p:cNvPr id="1060" name="Google Shape;1060;g1161f6db217_0_321:notes"/>
-          <p:cNvSpPr>
-            <a:spLocks noGrp="1" noRot="1" noChangeAspect="1"/>
-          </p:cNvSpPr>
-          <p:nvPr>
-            <p:ph type="sldImg" idx="2"/>
-          </p:nvPr>
-        </p:nvSpPr>
-        <p:spPr>
-          <a:xfrm>
-            <a:off x="381000" y="685800"/>
-            <a:ext cx="6096000" cy="3429000"/>
-          </a:xfrm>
-          <a:custGeom>
-            <a:avLst/>
-            <a:gdLst/>
-            <a:ahLst/>
-            <a:cxnLst/>
-            <a:rect l="l" t="t" r="r" b="b"/>
-            <a:pathLst>
-              <a:path w="120000" h="120000" extrusionOk="0">
-                <a:moveTo>
-                  <a:pt x="0" y="0"/>
-                </a:moveTo>
-                <a:lnTo>
-                  <a:pt x="120000" y="0"/>
-                </a:lnTo>
-                <a:lnTo>
-                  <a:pt x="120000" y="120000"/>
-                </a:lnTo>
-                <a:lnTo>
-                  <a:pt x="0" y="120000"/>
-                </a:lnTo>
-                <a:close/>
-              </a:path>
-            </a:pathLst>
-          </a:custGeom>
-        </p:spPr>
-      </p:sp>
-      <p:sp>
-        <p:nvSpPr>
-          <p:cNvPr id="1061" name="Google Shape;1061;g1161f6db217_0_321:notes"/>
-          <p:cNvSpPr txBox="1">
-            <a:spLocks noGrp="1"/>
-          </p:cNvSpPr>
-          <p:nvPr>
-            <p:ph type="body" idx="1"/>
-          </p:nvPr>
-        </p:nvSpPr>
-        <p:spPr>
-          <a:xfrm>
-            <a:off x="685800" y="4343400"/>
-            <a:ext cx="5486400" cy="4114800"/>
-          </a:xfrm>
-          <a:prstGeom prst="rect">
-            <a:avLst/>
-          </a:prstGeom>
-        </p:spPr>
-        <p:txBody>
-          <a:bodyPr spcFirstLastPara="1" wrap="square" lIns="91425" tIns="91425" rIns="91425" bIns="91425" anchor="t" anchorCtr="0">
-            <a:noAutofit/>
-          </a:bodyPr>
-          <a:lstStyle/>
-          <a:p>
-            <a:pPr marL="0" lvl="0" indent="0" algn="l" rtl="0">
-              <a:spcBef>
-                <a:spcPts val="0"/>
-              </a:spcBef>
-              <a:spcAft>
-                <a:spcPts val="0"/>
-              </a:spcAft>
-              <a:buNone/>
-            </a:pPr>
-            <a:endParaRPr/>
-          </a:p>
-        </p:txBody>
-      </p:sp>
-    </p:spTree>
-    <p:extLst>
-      <p:ext uri="{BB962C8B-B14F-4D97-AF65-F5344CB8AC3E}">
-        <p14:creationId xmlns:p14="http://schemas.microsoft.com/office/powerpoint/2010/main" val="552657131"/>
+        <p14:creationId xmlns:p14="http://schemas.microsoft.com/office/powerpoint/2010/main" val="2231203908"/>
       </p:ext>
     </p:extLst>
   </p:cSld>
@@ -8354,6 +8244,16 @@
 <file path=ppt/slides/slide1.xml><?xml version="1.0" encoding="utf-8"?>
 <p:sld xmlns:a="http://schemas.openxmlformats.org/drawingml/2006/main" xmlns:r="http://schemas.openxmlformats.org/officeDocument/2006/relationships" xmlns:p="http://schemas.openxmlformats.org/presentationml/2006/main">
   <p:cSld>
+    <p:bg>
+      <p:bgPr>
+        <a:solidFill>
+          <a:schemeClr val="bg1">
+            <a:lumMod val="95000"/>
+          </a:schemeClr>
+        </a:solidFill>
+        <a:effectLst/>
+      </p:bgPr>
+    </p:bg>
     <p:spTree>
       <p:nvGrpSpPr>
         <p:cNvPr id="1" name="Shape 1089"/>
@@ -8379,26 +8279,32 @@
           </p:nvPr>
         </p:nvSpPr>
         <p:spPr>
-          <a:xfrm flipH="1">
-            <a:off x="992362" y="2298648"/>
-            <a:ext cx="9883303" cy="1414400"/>
+          <a:xfrm>
+            <a:off x="804672" y="978776"/>
+            <a:ext cx="5925310" cy="1174991"/>
           </a:xfrm>
           <a:prstGeom prst="rect">
             <a:avLst/>
           </a:prstGeom>
         </p:spPr>
         <p:txBody>
-          <a:bodyPr spcFirstLastPara="1" wrap="square" lIns="121900" tIns="121900" rIns="121900" bIns="121900" anchor="t" anchorCtr="0">
-            <a:noAutofit/>
+          <a:bodyPr spcFirstLastPara="1" vert="horz" lIns="182880" tIns="182880" rIns="182880" bIns="182880" rtlCol="0" anchor="ctr" anchorCtr="0">
+            <a:normAutofit/>
           </a:bodyPr>
           <a:lstStyle/>
           <a:p>
-            <a:pPr lvl="0"/>
-            <a:r>
-              <a:rPr lang="en-US" dirty="0"/>
-              <a:t>Template</a:t>
-            </a:r>
-            <a:endParaRPr dirty="0"/>
+            <a:pPr lvl="0">
+              <a:lnSpc>
+                <a:spcPct val="90000"/>
+              </a:lnSpc>
+              <a:spcBef>
+                <a:spcPct val="0"/>
+              </a:spcBef>
+            </a:pPr>
+            <a:r>
+              <a:rPr lang="en-US" sz="2400" b="1"/>
+              <a:t>O Praise The Name (Anástasis)</a:t>
+            </a:r>
           </a:p>
         </p:txBody>
       </p:sp>
@@ -8413,72 +8319,187 @@
           </p:nvPr>
         </p:nvSpPr>
         <p:spPr>
-          <a:xfrm flipH="1">
-            <a:off x="1154347" y="3713048"/>
-            <a:ext cx="9559331" cy="1269627"/>
+          <a:xfrm>
+            <a:off x="804672" y="2640692"/>
+            <a:ext cx="5925310" cy="3255252"/>
           </a:xfrm>
           <a:prstGeom prst="rect">
             <a:avLst/>
           </a:prstGeom>
         </p:spPr>
         <p:txBody>
-          <a:bodyPr spcFirstLastPara="1" wrap="square" lIns="121900" tIns="121900" rIns="121900" bIns="121900" anchor="t" anchorCtr="0">
-            <a:noAutofit/>
+          <a:bodyPr spcFirstLastPara="1" vert="horz" lIns="91440" tIns="45720" rIns="91440" bIns="45720" rtlCol="0" anchorCtr="0">
+            <a:normAutofit/>
           </a:bodyPr>
           <a:lstStyle/>
           <a:p>
             <a:pPr marL="0" indent="0">
+              <a:lnSpc>
+                <a:spcPct val="90000"/>
+              </a:lnSpc>
+              <a:spcBef>
+                <a:spcPts val="1000"/>
+              </a:spcBef>
               <a:buNone/>
             </a:pPr>
             <a:r>
-              <a:rPr lang="en-US" sz="1467" dirty="0"/>
+              <a:rPr lang="en-US" sz="1000" dirty="0"/>
               <a:t>CCLI:  Benjamin Hastings, Dean Ussher, Marty Sampson</a:t>
             </a:r>
           </a:p>
           <a:p>
             <a:pPr marL="0" indent="0">
+              <a:lnSpc>
+                <a:spcPct val="90000"/>
+              </a:lnSpc>
+              <a:spcBef>
+                <a:spcPts val="1000"/>
+              </a:spcBef>
               <a:buNone/>
             </a:pPr>
             <a:r>
-              <a:rPr lang="en-US" sz="1467" dirty="0"/>
+              <a:rPr lang="en-US" sz="1000" dirty="0"/>
               <a:t>© 2015 Small City Music (Admin. by Music Services, Inc.)</a:t>
             </a:r>
           </a:p>
           <a:p>
             <a:pPr marL="0" indent="0">
+              <a:lnSpc>
+                <a:spcPct val="90000"/>
+              </a:lnSpc>
+              <a:spcBef>
+                <a:spcPts val="1000"/>
+              </a:spcBef>
               <a:buNone/>
             </a:pPr>
             <a:r>
-              <a:rPr lang="en-US" sz="1467" dirty="0"/>
+              <a:rPr lang="en-US" sz="1000" dirty="0"/>
               <a:t>Hillsong Music Publishing Australia</a:t>
             </a:r>
           </a:p>
           <a:p>
             <a:pPr marL="0" indent="0">
+              <a:lnSpc>
+                <a:spcPct val="90000"/>
+              </a:lnSpc>
+              <a:spcBef>
+                <a:spcPts val="1000"/>
+              </a:spcBef>
               <a:buNone/>
             </a:pPr>
             <a:r>
-              <a:rPr lang="en-US" sz="1467" dirty="0"/>
+              <a:rPr lang="en-US" sz="1000" dirty="0"/>
               <a:t>CCLI </a:t>
             </a:r>
             <a:r>
-              <a:rPr lang="en-US" sz="1467" dirty="0" err="1"/>
+              <a:rPr lang="en-US" sz="1000" dirty="0" err="1"/>
               <a:t>Licence</a:t>
             </a:r>
             <a:r>
-              <a:rPr lang="en-US" sz="1467" dirty="0"/>
+              <a:rPr lang="en-US" sz="1000" dirty="0"/>
               <a:t> No. 5485849</a:t>
             </a:r>
           </a:p>
           <a:p>
             <a:pPr marL="0" indent="0">
+              <a:lnSpc>
+                <a:spcPct val="90000"/>
+              </a:lnSpc>
+              <a:spcBef>
+                <a:spcPts val="1000"/>
+              </a:spcBef>
               <a:buNone/>
             </a:pPr>
             <a:r>
-              <a:rPr lang="en-US" sz="1467" dirty="0"/>
+              <a:rPr lang="en-US" sz="1000" dirty="0"/>
               <a:t>7037787</a:t>
             </a:r>
-            <a:endParaRPr sz="1467" dirty="0"/>
+          </a:p>
+        </p:txBody>
+      </p:sp>
+      <p:pic>
+        <p:nvPicPr>
+          <p:cNvPr id="1093" name="Picture 1092" descr="A silhouette of a person with her arms outstretched&#10;&#10;Description automatically generated">
+            <a:extLst>
+              <a:ext uri="{FF2B5EF4-FFF2-40B4-BE49-F238E27FC236}">
+                <a16:creationId xmlns:a16="http://schemas.microsoft.com/office/drawing/2014/main" id="{685CB784-C955-E41B-4200-5A4F82AEE09A}"/>
+              </a:ext>
+            </a:extLst>
+          </p:cNvPr>
+          <p:cNvPicPr>
+            <a:picLocks noChangeAspect="1"/>
+          </p:cNvPicPr>
+          <p:nvPr/>
+        </p:nvPicPr>
+        <p:blipFill>
+          <a:blip r:embed="rId3">
+            <a:extLst>
+              <a:ext uri="{28A0092B-C50C-407E-A947-70E740481C1C}">
+                <a14:useLocalDpi xmlns:a14="http://schemas.microsoft.com/office/drawing/2010/main" val="0"/>
+              </a:ext>
+              <a:ext uri="{837473B0-CC2E-450A-ABE3-18F120FF3D39}">
+                <a1611:picAttrSrcUrl xmlns:a1611="http://schemas.microsoft.com/office/drawing/2016/11/main" r:id="rId4"/>
+              </a:ext>
+            </a:extLst>
+          </a:blip>
+          <a:srcRect l="24533" r="24533"/>
+          <a:stretch/>
+        </p:blipFill>
+        <p:spPr>
+          <a:xfrm>
+            <a:off x="7534654" y="10"/>
+            <a:ext cx="4657345" cy="6857990"/>
+          </a:xfrm>
+          <a:prstGeom prst="rect">
+            <a:avLst/>
+          </a:prstGeom>
+        </p:spPr>
+      </p:pic>
+      <p:sp>
+        <p:nvSpPr>
+          <p:cNvPr id="2" name="TextBox 1">
+            <a:extLst>
+              <a:ext uri="{FF2B5EF4-FFF2-40B4-BE49-F238E27FC236}">
+                <a16:creationId xmlns:a16="http://schemas.microsoft.com/office/drawing/2014/main" id="{A8533737-6A03-93AE-C13C-CCF94031D90A}"/>
+              </a:ext>
+            </a:extLst>
+          </p:cNvPr>
+          <p:cNvSpPr txBox="1"/>
+          <p:nvPr/>
+        </p:nvSpPr>
+        <p:spPr>
+          <a:xfrm>
+            <a:off x="7534654" y="6858000"/>
+            <a:ext cx="4657345" cy="230832"/>
+          </a:xfrm>
+          <a:prstGeom prst="rect">
+            <a:avLst/>
+          </a:prstGeom>
+          <a:noFill/>
+        </p:spPr>
+        <p:txBody>
+          <a:bodyPr wrap="square" rtlCol="0">
+            <a:spAutoFit/>
+          </a:bodyPr>
+          <a:lstStyle/>
+          <a:p>
+            <a:r>
+              <a:rPr lang="en-US" sz="900">
+                <a:hlinkClick r:id="rId4" tooltip="https://epitemnein-epitomic.blogspot.com/2012/01/psalm-148-all-creation-praise-lord.html"/>
+              </a:rPr>
+              <a:t>This Photo</a:t>
+            </a:r>
+            <a:r>
+              <a:rPr lang="en-US" sz="900"/>
+              <a:t> by Unknown Author is licensed under </a:t>
+            </a:r>
+            <a:r>
+              <a:rPr lang="en-US" sz="900">
+                <a:hlinkClick r:id="rId5" tooltip="https://creativecommons.org/licenses/by-nc-nd/3.0/"/>
+              </a:rPr>
+              <a:t>CC BY-NC-ND</a:t>
+            </a:r>
+            <a:endParaRPr lang="en-US" sz="900"/>
           </a:p>
         </p:txBody>
       </p:sp>
@@ -8641,70 +8662,6 @@
 </p:sld>
 </file>
 
-<file path=ppt/slides/slide10.xml><?xml version="1.0" encoding="utf-8"?>
-<p:sld xmlns:a="http://schemas.openxmlformats.org/drawingml/2006/main" xmlns:r="http://schemas.openxmlformats.org/officeDocument/2006/relationships" xmlns:p="http://schemas.openxmlformats.org/presentationml/2006/main">
-  <p:cSld>
-    <p:spTree>
-      <p:nvGrpSpPr>
-        <p:cNvPr id="1" name="Shape 1062"/>
-        <p:cNvGrpSpPr/>
-        <p:nvPr/>
-      </p:nvGrpSpPr>
-      <p:grpSpPr>
-        <a:xfrm>
-          <a:off x="0" y="0"/>
-          <a:ext cx="0" cy="0"/>
-          <a:chOff x="0" y="0"/>
-          <a:chExt cx="0" cy="0"/>
-        </a:xfrm>
-      </p:grpSpPr>
-      <p:sp>
-        <p:nvSpPr>
-          <p:cNvPr id="1072" name="Google Shape;1072;p77"/>
-          <p:cNvSpPr txBox="1">
-            <a:spLocks noGrp="1"/>
-          </p:cNvSpPr>
-          <p:nvPr>
-            <p:ph type="subTitle" idx="1"/>
-          </p:nvPr>
-        </p:nvSpPr>
-        <p:spPr>
-          <a:xfrm>
-            <a:off x="295073" y="329119"/>
-            <a:ext cx="11601855" cy="6199763"/>
-          </a:xfrm>
-          <a:prstGeom prst="rect">
-            <a:avLst/>
-          </a:prstGeom>
-        </p:spPr>
-        <p:txBody>
-          <a:bodyPr spcFirstLastPara="1" wrap="square" lIns="121900" tIns="121900" rIns="121900" bIns="121900" anchor="t" anchorCtr="0">
-            <a:noAutofit/>
-          </a:bodyPr>
-          <a:lstStyle/>
-          <a:p>
-            <a:pPr marL="0" indent="0"/>
-            <a:r>
-              <a:rPr lang="en-US" sz="4267"/>
-              <a:t>Tag</a:t>
-            </a:r>
-            <a:endParaRPr lang="en-US" sz="4267" dirty="0"/>
-          </a:p>
-        </p:txBody>
-      </p:sp>
-    </p:spTree>
-    <p:extLst>
-      <p:ext uri="{BB962C8B-B14F-4D97-AF65-F5344CB8AC3E}">
-        <p14:creationId xmlns:p14="http://schemas.microsoft.com/office/powerpoint/2010/main" val="3713479499"/>
-      </p:ext>
-    </p:extLst>
-  </p:cSld>
-  <p:clrMapOvr>
-    <a:masterClrMapping/>
-  </p:clrMapOvr>
-</p:sld>
-</file>
-
 <file path=ppt/slides/slide2.xml><?xml version="1.0" encoding="utf-8"?>
 <p:sld xmlns:a="http://schemas.openxmlformats.org/drawingml/2006/main" xmlns:r="http://schemas.openxmlformats.org/officeDocument/2006/relationships" xmlns:p="http://schemas.openxmlformats.org/presentationml/2006/main">
   <p:cSld>
@@ -8751,6 +8708,42 @@
             <a:r>
               <a:rPr lang="en-US" sz="4267" dirty="0"/>
               <a:t>Verse 1 </a:t>
+            </a:r>
+          </a:p>
+          <a:p>
+            <a:pPr marL="0" indent="0"/>
+            <a:r>
+              <a:rPr lang="en-US" sz="4267" dirty="0"/>
+              <a:t>I cast my mind to Calvary</a:t>
+            </a:r>
+          </a:p>
+          <a:p>
+            <a:pPr marL="0" indent="0"/>
+            <a:r>
+              <a:rPr lang="en-US" sz="4267" dirty="0"/>
+              <a:t>Where Jesus bled and died for me</a:t>
+            </a:r>
+          </a:p>
+          <a:p>
+            <a:pPr marL="0" indent="0"/>
+            <a:r>
+              <a:rPr lang="en-US" sz="4267" dirty="0"/>
+              <a:t>I see His wounds, His hands, His feet</a:t>
+            </a:r>
+          </a:p>
+          <a:p>
+            <a:pPr marL="0" indent="0"/>
+            <a:r>
+              <a:rPr lang="en-US" sz="4267" dirty="0"/>
+              <a:t>My </a:t>
+            </a:r>
+            <a:r>
+              <a:rPr lang="en-US" sz="4267" dirty="0" err="1"/>
+              <a:t>Saviour</a:t>
+            </a:r>
+            <a:r>
+              <a:rPr lang="en-US" sz="4267" dirty="0"/>
+              <a:t> on that cursed tree</a:t>
             </a:r>
           </a:p>
         </p:txBody>
@@ -8808,7 +8801,35 @@
             <a:pPr marL="0" indent="0"/>
             <a:r>
               <a:rPr lang="en-US" sz="4267" dirty="0"/>
-              <a:t>Verse 1 </a:t>
+              <a:t>Verse 2</a:t>
+            </a:r>
+          </a:p>
+          <a:p>
+            <a:pPr marL="0" indent="0"/>
+            <a:r>
+              <a:rPr lang="en-US" sz="4267" dirty="0"/>
+              <a:t>His body bound and drenched in tears</a:t>
+            </a:r>
+          </a:p>
+          <a:p>
+            <a:pPr marL="0" indent="0"/>
+            <a:r>
+              <a:rPr lang="en-US" sz="4267" dirty="0"/>
+              <a:t>They laid Him down in Joseph's tomb</a:t>
+            </a:r>
+          </a:p>
+          <a:p>
+            <a:pPr marL="0" indent="0"/>
+            <a:r>
+              <a:rPr lang="en-US" sz="4267" dirty="0"/>
+              <a:t>The entrance sealed by heavy stone</a:t>
+            </a:r>
+          </a:p>
+          <a:p>
+            <a:pPr marL="0" indent="0"/>
+            <a:r>
+              <a:rPr lang="en-US" sz="4267" dirty="0"/>
+              <a:t>Messiah still and all alone</a:t>
             </a:r>
           </a:p>
         </p:txBody>
@@ -8816,7 +8837,7 @@
     </p:spTree>
     <p:extLst>
       <p:ext uri="{BB962C8B-B14F-4D97-AF65-F5344CB8AC3E}">
-        <p14:creationId xmlns:p14="http://schemas.microsoft.com/office/powerpoint/2010/main" val="3438436974"/>
+        <p14:creationId xmlns:p14="http://schemas.microsoft.com/office/powerpoint/2010/main" val="1390980916"/>
       </p:ext>
     </p:extLst>
   </p:cSld>
@@ -8855,7 +8876,7 @@
         </p:nvSpPr>
         <p:spPr>
           <a:xfrm>
-            <a:off x="304801" y="369651"/>
+            <a:off x="295073" y="329119"/>
             <a:ext cx="11601855" cy="6199763"/>
           </a:xfrm>
           <a:prstGeom prst="rect">
@@ -8870,17 +8891,44 @@
           <a:p>
             <a:pPr marL="0" indent="0"/>
             <a:r>
-              <a:rPr lang="en-US" sz="4267" dirty="0" err="1"/>
-              <a:t>Prechorus</a:t>
-            </a:r>
-            <a:endParaRPr lang="en-US" sz="4267" dirty="0"/>
+              <a:rPr lang="en-US" sz="4267" dirty="0"/>
+              <a:t>Chorus </a:t>
+            </a:r>
+          </a:p>
+          <a:p>
+            <a:pPr marL="0" indent="0"/>
+            <a:r>
+              <a:rPr lang="en-US" sz="4267" dirty="0"/>
+              <a:t>O praise the Name of the Lord, our God</a:t>
+            </a:r>
+          </a:p>
+          <a:p>
+            <a:pPr marL="0" indent="0"/>
+            <a:r>
+              <a:rPr lang="en-US" sz="4267" dirty="0"/>
+              <a:t>O praise His Name forevermore</a:t>
+            </a:r>
+          </a:p>
+          <a:p>
+            <a:pPr marL="0" indent="0"/>
+            <a:r>
+              <a:rPr lang="en-US" sz="4267" dirty="0"/>
+              <a:t>For endless days we will sing Your praise</a:t>
+            </a:r>
+          </a:p>
+          <a:p>
+            <a:pPr marL="0" indent="0"/>
+            <a:r>
+              <a:rPr lang="en-US" sz="4267" dirty="0"/>
+              <a:t>Oh Lord, oh Lord, our God</a:t>
+            </a:r>
           </a:p>
         </p:txBody>
       </p:sp>
     </p:spTree>
     <p:extLst>
       <p:ext uri="{BB962C8B-B14F-4D97-AF65-F5344CB8AC3E}">
-        <p14:creationId xmlns:p14="http://schemas.microsoft.com/office/powerpoint/2010/main" val="1346762501"/>
+        <p14:creationId xmlns:p14="http://schemas.microsoft.com/office/powerpoint/2010/main" val="1616820011"/>
       </p:ext>
     </p:extLst>
   </p:cSld>
@@ -8919,7 +8967,7 @@
         </p:nvSpPr>
         <p:spPr>
           <a:xfrm>
-            <a:off x="295073" y="329119"/>
+            <a:off x="304801" y="369651"/>
             <a:ext cx="11601855" cy="6199763"/>
           </a:xfrm>
           <a:prstGeom prst="rect">
@@ -8935,7 +8983,35 @@
             <a:pPr marL="0" indent="0"/>
             <a:r>
               <a:rPr lang="en-US" sz="4267" dirty="0"/>
-              <a:t>Chorus </a:t>
+              <a:t>Verse 3</a:t>
+            </a:r>
+          </a:p>
+          <a:p>
+            <a:pPr marL="0" indent="0"/>
+            <a:r>
+              <a:rPr lang="en-US" sz="4267" dirty="0"/>
+              <a:t>Then on the third at break of dawn</a:t>
+            </a:r>
+          </a:p>
+          <a:p>
+            <a:pPr marL="0" indent="0"/>
+            <a:r>
+              <a:rPr lang="en-US" sz="4267" dirty="0"/>
+              <a:t>The Son of heaven rose again</a:t>
+            </a:r>
+          </a:p>
+          <a:p>
+            <a:pPr marL="0" indent="0"/>
+            <a:r>
+              <a:rPr lang="en-US" sz="4267" dirty="0"/>
+              <a:t>O trampled death, where is your sting?</a:t>
+            </a:r>
+          </a:p>
+          <a:p>
+            <a:pPr marL="0" indent="0"/>
+            <a:r>
+              <a:rPr lang="en-US" sz="4267" dirty="0"/>
+              <a:t>The angels roar for Christ the King</a:t>
             </a:r>
           </a:p>
         </p:txBody>
@@ -8943,7 +9019,7 @@
     </p:spTree>
     <p:extLst>
       <p:ext uri="{BB962C8B-B14F-4D97-AF65-F5344CB8AC3E}">
-        <p14:creationId xmlns:p14="http://schemas.microsoft.com/office/powerpoint/2010/main" val="1616820011"/>
+        <p14:creationId xmlns:p14="http://schemas.microsoft.com/office/powerpoint/2010/main" val="1513722965"/>
       </p:ext>
     </p:extLst>
   </p:cSld>
@@ -8982,7 +9058,7 @@
         </p:nvSpPr>
         <p:spPr>
           <a:xfrm>
-            <a:off x="304801" y="369651"/>
+            <a:off x="295073" y="329119"/>
             <a:ext cx="11601855" cy="6199763"/>
           </a:xfrm>
           <a:prstGeom prst="rect">
@@ -8998,7 +9074,35 @@
             <a:pPr marL="0" indent="0"/>
             <a:r>
               <a:rPr lang="en-US" sz="4267" dirty="0"/>
-              <a:t>Verse 2</a:t>
+              <a:t>Chorus </a:t>
+            </a:r>
+          </a:p>
+          <a:p>
+            <a:pPr marL="0" indent="0"/>
+            <a:r>
+              <a:rPr lang="en-US" sz="4267" dirty="0"/>
+              <a:t>O praise the Name of the Lord, our God</a:t>
+            </a:r>
+          </a:p>
+          <a:p>
+            <a:pPr marL="0" indent="0"/>
+            <a:r>
+              <a:rPr lang="en-US" sz="4267" dirty="0"/>
+              <a:t>O praise His Name forevermore</a:t>
+            </a:r>
+          </a:p>
+          <a:p>
+            <a:pPr marL="0" indent="0"/>
+            <a:r>
+              <a:rPr lang="en-US" sz="4267" dirty="0"/>
+              <a:t>For endless days we will sing Your praise</a:t>
+            </a:r>
+          </a:p>
+          <a:p>
+            <a:pPr marL="0" indent="0"/>
+            <a:r>
+              <a:rPr lang="en-US" sz="4267" dirty="0"/>
+              <a:t>Oh Lord, oh Lord, our God</a:t>
             </a:r>
           </a:p>
         </p:txBody>
@@ -9006,7 +9110,7 @@
     </p:spTree>
     <p:extLst>
       <p:ext uri="{BB962C8B-B14F-4D97-AF65-F5344CB8AC3E}">
-        <p14:creationId xmlns:p14="http://schemas.microsoft.com/office/powerpoint/2010/main" val="1390980916"/>
+        <p14:creationId xmlns:p14="http://schemas.microsoft.com/office/powerpoint/2010/main" val="3289525509"/>
       </p:ext>
     </p:extLst>
   </p:cSld>
@@ -9061,7 +9165,35 @@
             <a:pPr marL="0" indent="0"/>
             <a:r>
               <a:rPr lang="en-US" sz="4267" dirty="0"/>
-              <a:t>Chorus </a:t>
+              <a:t>Verse 4</a:t>
+            </a:r>
+          </a:p>
+          <a:p>
+            <a:pPr marL="0" indent="0"/>
+            <a:r>
+              <a:rPr lang="en-US" sz="4267" dirty="0"/>
+              <a:t>He shall return in robes of white</a:t>
+            </a:r>
+          </a:p>
+          <a:p>
+            <a:pPr marL="0" indent="0"/>
+            <a:r>
+              <a:rPr lang="en-US" sz="4267" dirty="0"/>
+              <a:t>The blazing sun shall pierce the night</a:t>
+            </a:r>
+          </a:p>
+          <a:p>
+            <a:pPr marL="0" indent="0"/>
+            <a:r>
+              <a:rPr lang="en-US" sz="4267" dirty="0"/>
+              <a:t>And I will rise among the saints</a:t>
+            </a:r>
+          </a:p>
+          <a:p>
+            <a:pPr marL="0" indent="0"/>
+            <a:r>
+              <a:rPr lang="en-US" sz="4267" dirty="0"/>
+              <a:t>My gaze transfixed on Jesus' face</a:t>
             </a:r>
           </a:p>
         </p:txBody>
@@ -9069,7 +9201,7 @@
     </p:spTree>
     <p:extLst>
       <p:ext uri="{BB962C8B-B14F-4D97-AF65-F5344CB8AC3E}">
-        <p14:creationId xmlns:p14="http://schemas.microsoft.com/office/powerpoint/2010/main" val="3549348934"/>
+        <p14:creationId xmlns:p14="http://schemas.microsoft.com/office/powerpoint/2010/main" val="3345127143"/>
       </p:ext>
     </p:extLst>
   </p:cSld>
@@ -9108,8 +9240,8 @@
         </p:nvSpPr>
         <p:spPr>
           <a:xfrm>
-            <a:off x="295073" y="77304"/>
-            <a:ext cx="11601855" cy="6703392"/>
+            <a:off x="295073" y="329119"/>
+            <a:ext cx="11601855" cy="6199763"/>
           </a:xfrm>
           <a:prstGeom prst="rect">
             <a:avLst/>
@@ -9124,7 +9256,42 @@
             <a:pPr marL="0" indent="0"/>
             <a:r>
               <a:rPr lang="en-US" sz="4267" dirty="0"/>
-              <a:t>Bridge</a:t>
+              <a:t>Chorus </a:t>
+            </a:r>
+          </a:p>
+          <a:p>
+            <a:pPr marL="0" indent="0"/>
+            <a:r>
+              <a:rPr lang="en-US" sz="4267" dirty="0"/>
+              <a:t>O praise the Name of the Lord, our God</a:t>
+            </a:r>
+          </a:p>
+          <a:p>
+            <a:pPr marL="0" indent="0"/>
+            <a:r>
+              <a:rPr lang="en-US" sz="4267" dirty="0"/>
+              <a:t>O praise His Name forevermore</a:t>
+            </a:r>
+          </a:p>
+          <a:p>
+            <a:pPr marL="0" indent="0"/>
+            <a:r>
+              <a:rPr lang="en-US" sz="4267" dirty="0"/>
+              <a:t>For endless days we will sing Your praise</a:t>
+            </a:r>
+          </a:p>
+          <a:p>
+            <a:pPr marL="0" indent="0"/>
+            <a:r>
+              <a:rPr lang="en-US" sz="4267" dirty="0"/>
+              <a:t>Oh Lord, oh Lord, our God</a:t>
+            </a:r>
+          </a:p>
+          <a:p>
+            <a:pPr marL="0" indent="0"/>
+            <a:r>
+              <a:rPr lang="en-US" sz="4267" dirty="0"/>
+              <a:t>(x2)</a:t>
             </a:r>
           </a:p>
         </p:txBody>
@@ -9132,7 +9299,7 @@
     </p:spTree>
     <p:extLst>
       <p:ext uri="{BB962C8B-B14F-4D97-AF65-F5344CB8AC3E}">
-        <p14:creationId xmlns:p14="http://schemas.microsoft.com/office/powerpoint/2010/main" val="606210200"/>
+        <p14:creationId xmlns:p14="http://schemas.microsoft.com/office/powerpoint/2010/main" val="314391689"/>
       </p:ext>
     </p:extLst>
   </p:cSld>
@@ -9187,15 +9354,26 @@
             <a:pPr marL="0" indent="0"/>
             <a:r>
               <a:rPr lang="en-US" sz="4267" dirty="0"/>
-              <a:t>Chorus</a:t>
-            </a:r>
+              <a:t>Tag</a:t>
+            </a:r>
+          </a:p>
+          <a:p>
+            <a:pPr marL="0" indent="0"/>
+            <a:r>
+              <a:rPr lang="en-US" sz="4267" dirty="0"/>
+              <a:t>Oh Lord, oh Lord, our God</a:t>
+            </a:r>
+          </a:p>
+          <a:p>
+            <a:pPr marL="0" indent="0"/>
+            <a:endParaRPr lang="en-US" sz="4267" dirty="0"/>
           </a:p>
         </p:txBody>
       </p:sp>
     </p:spTree>
     <p:extLst>
       <p:ext uri="{BB962C8B-B14F-4D97-AF65-F5344CB8AC3E}">
-        <p14:creationId xmlns:p14="http://schemas.microsoft.com/office/powerpoint/2010/main" val="3345127143"/>
+        <p14:creationId xmlns:p14="http://schemas.microsoft.com/office/powerpoint/2010/main" val="3713479499"/>
       </p:ext>
     </p:extLst>
   </p:cSld>
